--- a/crontab.pptx
+++ b/crontab.pptx
@@ -205,7 +205,7 @@
             <a:fld id="{28E611E6-23C8-4F6C-9585-81351CBDEE0C}" type="datetimeFigureOut">
               <a:rPr lang="en-US" smtClean="0"/>
               <a:pPr/>
-              <a:t>3/10/2020</a:t>
+              <a:t>3/17/2020</a:t>
             </a:fld>
             <a:endParaRPr lang="en-US"/>
           </a:p>
@@ -523,7 +523,7 @@
             <a:fld id="{28E611E6-23C8-4F6C-9585-81351CBDEE0C}" type="datetimeFigureOut">
               <a:rPr lang="en-US" smtClean="0"/>
               <a:pPr/>
-              <a:t>3/10/2020</a:t>
+              <a:t>3/17/2020</a:t>
             </a:fld>
             <a:endParaRPr lang="en-US"/>
           </a:p>
@@ -700,7 +700,7 @@
             <a:fld id="{28E611E6-23C8-4F6C-9585-81351CBDEE0C}" type="datetimeFigureOut">
               <a:rPr lang="en-US" smtClean="0"/>
               <a:pPr/>
-              <a:t>3/10/2020</a:t>
+              <a:t>3/17/2020</a:t>
             </a:fld>
             <a:endParaRPr lang="en-US"/>
           </a:p>
@@ -820,7 +820,7 @@
             <a:fld id="{28E611E6-23C8-4F6C-9585-81351CBDEE0C}" type="datetimeFigureOut">
               <a:rPr lang="en-US" smtClean="0"/>
               <a:pPr/>
-              <a:t>3/10/2020</a:t>
+              <a:t>3/17/2020</a:t>
             </a:fld>
             <a:endParaRPr lang="en-US"/>
           </a:p>
@@ -1120,7 +1120,7 @@
             <a:fld id="{28E611E6-23C8-4F6C-9585-81351CBDEE0C}" type="datetimeFigureOut">
               <a:rPr lang="en-US" smtClean="0"/>
               <a:pPr/>
-              <a:t>3/10/2020</a:t>
+              <a:t>3/17/2020</a:t>
             </a:fld>
             <a:endParaRPr lang="en-US"/>
           </a:p>
@@ -1415,7 +1415,7 @@
             <a:fld id="{28E611E6-23C8-4F6C-9585-81351CBDEE0C}" type="datetimeFigureOut">
               <a:rPr lang="en-US" smtClean="0"/>
               <a:pPr/>
-              <a:t>3/10/2020</a:t>
+              <a:t>3/17/2020</a:t>
             </a:fld>
             <a:endParaRPr lang="en-US"/>
           </a:p>
@@ -1845,7 +1845,7 @@
             <a:fld id="{28E611E6-23C8-4F6C-9585-81351CBDEE0C}" type="datetimeFigureOut">
               <a:rPr lang="en-US" smtClean="0"/>
               <a:pPr/>
-              <a:t>3/10/2020</a:t>
+              <a:t>3/17/2020</a:t>
             </a:fld>
             <a:endParaRPr lang="en-US"/>
           </a:p>
@@ -1965,7 +1965,7 @@
             <a:fld id="{28E611E6-23C8-4F6C-9585-81351CBDEE0C}" type="datetimeFigureOut">
               <a:rPr lang="en-US" smtClean="0"/>
               <a:pPr/>
-              <a:t>3/10/2020</a:t>
+              <a:t>3/17/2020</a:t>
             </a:fld>
             <a:endParaRPr lang="en-US"/>
           </a:p>
@@ -2057,7 +2057,7 @@
             <a:fld id="{28E611E6-23C8-4F6C-9585-81351CBDEE0C}" type="datetimeFigureOut">
               <a:rPr lang="en-US" smtClean="0"/>
               <a:pPr/>
-              <a:t>3/10/2020</a:t>
+              <a:t>3/17/2020</a:t>
             </a:fld>
             <a:endParaRPr lang="en-US"/>
           </a:p>
@@ -2309,7 +2309,7 @@
             <a:fld id="{28E611E6-23C8-4F6C-9585-81351CBDEE0C}" type="datetimeFigureOut">
               <a:rPr lang="en-US" smtClean="0"/>
               <a:pPr/>
-              <a:t>3/10/2020</a:t>
+              <a:t>3/17/2020</a:t>
             </a:fld>
             <a:endParaRPr lang="en-US"/>
           </a:p>
@@ -2827,7 +2827,7 @@
             <a:fld id="{28E611E6-23C8-4F6C-9585-81351CBDEE0C}" type="datetimeFigureOut">
               <a:rPr lang="en-US" smtClean="0"/>
               <a:pPr/>
-              <a:t>3/10/2020</a:t>
+              <a:t>3/17/2020</a:t>
             </a:fld>
             <a:endParaRPr lang="en-US"/>
           </a:p>
@@ -3059,7 +3059,7 @@
             <a:fld id="{28E611E6-23C8-4F6C-9585-81351CBDEE0C}" type="datetimeFigureOut">
               <a:rPr lang="en-US" smtClean="0"/>
               <a:pPr/>
-              <a:t>3/10/2020</a:t>
+              <a:t>3/17/2020</a:t>
             </a:fld>
             <a:endParaRPr lang="en-US"/>
           </a:p>
@@ -3583,7 +3583,14 @@
                 <a:latin typeface="Times New Roman" pitchFamily="18" charset="0"/>
                 <a:cs typeface="Times New Roman" pitchFamily="18" charset="0"/>
               </a:rPr>
-              <a:t>Schedule backup using google drive </a:t>
+              <a:t>Schedule backup to google drive using </a:t>
+            </a:r>
+            <a:r>
+              <a:rPr lang="en-US" smtClean="0">
+                <a:latin typeface="Times New Roman" pitchFamily="18" charset="0"/>
+                <a:cs typeface="Times New Roman" pitchFamily="18" charset="0"/>
+              </a:rPr>
+              <a:t>crontab</a:t>
             </a:r>
             <a:endParaRPr lang="en-US" dirty="0">
               <a:latin typeface="Times New Roman" pitchFamily="18" charset="0"/>
@@ -3704,30 +3711,26 @@
       </p:sp>
       <p:pic>
         <p:nvPicPr>
-          <p:cNvPr id="4" name="Picture 2" descr="C:\Users\Admin\Downloads\Screenshot from 2020-02-12 12-21-23.png"/>
+          <p:cNvPr id="2" name="Picture 1"/>
           <p:cNvPicPr>
-            <a:picLocks noGrp="1" noChangeAspect="1" noChangeArrowheads="1"/>
+            <a:picLocks noChangeAspect="1"/>
           </p:cNvPicPr>
-          <p:nvPr>
-            <p:ph idx="4294967295"/>
-          </p:nvPr>
+          <p:nvPr/>
         </p:nvPicPr>
         <p:blipFill>
           <a:blip r:embed="rId2"/>
-          <a:srcRect/>
           <a:stretch>
             <a:fillRect/>
           </a:stretch>
         </p:blipFill>
-        <p:spPr bwMode="auto">
+        <p:spPr>
           <a:xfrm>
-            <a:off x="1259632" y="1484784"/>
-            <a:ext cx="6738938" cy="3789363"/>
+            <a:off x="1187624" y="1772816"/>
+            <a:ext cx="6753225" cy="3762375"/>
           </a:xfrm>
           <a:prstGeom prst="rect">
             <a:avLst/>
           </a:prstGeom>
-          <a:noFill/>
         </p:spPr>
       </p:pic>
     </p:spTree>
@@ -3834,37 +3837,26 @@
       </p:sp>
       <p:pic>
         <p:nvPicPr>
-          <p:cNvPr id="4" name="Picture 2" descr="C:\Users\Admin\Downloads\Screenshot from 2020-02-12 12-21-35.png"/>
+          <p:cNvPr id="2" name="Picture 1"/>
           <p:cNvPicPr>
-            <a:picLocks noChangeAspect="1" noChangeArrowheads="1"/>
+            <a:picLocks noChangeAspect="1"/>
           </p:cNvPicPr>
           <p:nvPr/>
         </p:nvPicPr>
         <p:blipFill>
           <a:blip r:embed="rId2"/>
-          <a:srcRect/>
           <a:stretch>
             <a:fillRect/>
           </a:stretch>
         </p:blipFill>
-        <p:spPr bwMode="auto">
+        <p:spPr>
           <a:xfrm>
-            <a:off x="1000100" y="1620284"/>
-            <a:ext cx="7316316" cy="4078982"/>
+            <a:off x="914400" y="1409700"/>
+            <a:ext cx="7315200" cy="4038600"/>
           </a:xfrm>
           <a:prstGeom prst="rect">
             <a:avLst/>
           </a:prstGeom>
-          <a:ln>
-            <a:noFill/>
-          </a:ln>
-          <a:effectLst>
-            <a:outerShdw blurRad="292100" dist="139700" dir="2700000" algn="tl" rotWithShape="0">
-              <a:srgbClr val="333333">
-                <a:alpha val="65000"/>
-              </a:srgbClr>
-            </a:outerShdw>
-          </a:effectLst>
         </p:spPr>
       </p:pic>
     </p:spTree>
@@ -3969,30 +3961,26 @@
       </p:sp>
       <p:pic>
         <p:nvPicPr>
-          <p:cNvPr id="5122" name="Picture 2" descr="C:\Users\Admin\Downloads\Screenshot from 2020-02-12 12-21-43.png"/>
+          <p:cNvPr id="2" name="Picture 1"/>
           <p:cNvPicPr>
-            <a:picLocks noGrp="1" noChangeAspect="1" noChangeArrowheads="1"/>
+            <a:picLocks noChangeAspect="1"/>
           </p:cNvPicPr>
-          <p:nvPr>
-            <p:ph idx="4294967295"/>
-          </p:nvPr>
+          <p:nvPr/>
         </p:nvPicPr>
         <p:blipFill>
           <a:blip r:embed="rId2"/>
-          <a:srcRect/>
           <a:stretch>
             <a:fillRect/>
           </a:stretch>
         </p:blipFill>
-        <p:spPr bwMode="auto">
+        <p:spPr>
           <a:xfrm>
-            <a:off x="1187624" y="1988840"/>
-            <a:ext cx="7043051" cy="3960440"/>
+            <a:off x="1115616" y="1916832"/>
+            <a:ext cx="7000875" cy="3914775"/>
           </a:xfrm>
           <a:prstGeom prst="rect">
             <a:avLst/>
           </a:prstGeom>
-          <a:noFill/>
         </p:spPr>
       </p:pic>
     </p:spTree>
@@ -4041,9 +4029,9 @@
       </p:grpSpPr>
       <p:pic>
         <p:nvPicPr>
-          <p:cNvPr id="6146" name="Picture 2" descr="C:\Users\Admin\Downloads\Screenshot from 2020-02-12 11-30-15 (1).png"/>
+          <p:cNvPr id="3" name="Content Placeholder 2"/>
           <p:cNvPicPr>
-            <a:picLocks noGrp="1" noChangeAspect="1" noChangeArrowheads="1"/>
+            <a:picLocks noGrp="1" noChangeAspect="1"/>
           </p:cNvPicPr>
           <p:nvPr>
             <p:ph sz="quarter" idx="13"/>
@@ -4055,15 +4043,14 @@
             <a:fillRect/>
           </a:stretch>
         </p:blipFill>
-        <p:spPr bwMode="auto">
+        <p:spPr>
           <a:xfrm>
-            <a:off x="1043608" y="1052736"/>
-            <a:ext cx="7318771" cy="4114800"/>
+            <a:off x="971600" y="908720"/>
+            <a:ext cx="7296150" cy="4048125"/>
           </a:xfrm>
           <a:prstGeom prst="rect">
             <a:avLst/>
           </a:prstGeom>
-          <a:noFill/>
         </p:spPr>
       </p:pic>
     </p:spTree>
@@ -9082,7 +9069,11 @@
             <a:pPr algn="ctr"/>
             <a:r>
               <a:rPr lang="en-US" dirty="0" smtClean="0"/>
-              <a:t>Code to backup for </a:t>
+              <a:t>Code </a:t>
+            </a:r>
+            <a:r>
+              <a:rPr lang="en-US" dirty="0" smtClean="0"/>
+              <a:t>to backup for </a:t>
             </a:r>
             <a:r>
               <a:rPr lang="en-US" dirty="0" err="1" smtClean="0"/>
@@ -9120,15 +9111,36 @@
             </a:r>
             <a:r>
               <a:rPr lang="en-US" sz="2800" dirty="0" smtClean="0"/>
-              <a:t> –u root -p cit &gt; /home/cit/</a:t>
+              <a:t> –u root -p cit &gt; /</a:t>
+            </a:r>
+            <a:r>
+              <a:rPr lang="en-US" sz="2800" dirty="0" smtClean="0"/>
+              <a:t>home/</a:t>
             </a:r>
             <a:r>
               <a:rPr lang="en-US" sz="2800" dirty="0" err="1" smtClean="0"/>
-              <a:t>google</a:t>
+              <a:t>cit</a:t>
             </a:r>
             <a:r>
               <a:rPr lang="en-US" sz="2800" dirty="0" smtClean="0"/>
-              <a:t>-drive</a:t>
+              <a:t>/google-drive</a:t>
+            </a:r>
+          </a:p>
+          <a:p>
+            <a:endParaRPr lang="en-US" sz="2800" dirty="0"/>
+          </a:p>
+          <a:p>
+            <a:r>
+              <a:rPr lang="en-US" sz="2800" dirty="0" smtClean="0"/>
+              <a:t>Save this in .</a:t>
+            </a:r>
+            <a:r>
+              <a:rPr lang="en-US" sz="2800" dirty="0" err="1" smtClean="0"/>
+              <a:t>sh</a:t>
+            </a:r>
+            <a:r>
+              <a:rPr lang="en-US" sz="2800" dirty="0" smtClean="0"/>
+              <a:t> file</a:t>
             </a:r>
             <a:endParaRPr lang="en-US" sz="2800" dirty="0"/>
           </a:p>
@@ -9233,6 +9245,121 @@
                                           <p:spTgt spid="3">
                                             <p:txEl>
                                               <p:pRg st="0" end="0"/>
+                                            </p:txEl>
+                                          </p:spTgt>
+                                        </p:tgtEl>
+                                        <p:attrNameLst>
+                                          <p:attrName>ppt_y</p:attrName>
+                                        </p:attrNameLst>
+                                      </p:cBhvr>
+                                      <p:tavLst>
+                                        <p:tav tm="0">
+                                          <p:val>
+                                            <p:strVal val="#ppt_y+.1"/>
+                                          </p:val>
+                                        </p:tav>
+                                        <p:tav tm="100000">
+                                          <p:val>
+                                            <p:strVal val="#ppt_y"/>
+                                          </p:val>
+                                        </p:tav>
+                                      </p:tavLst>
+                                    </p:anim>
+                                  </p:childTnLst>
+                                </p:cTn>
+                              </p:par>
+                            </p:childTnLst>
+                          </p:cTn>
+                        </p:par>
+                      </p:childTnLst>
+                    </p:cTn>
+                  </p:par>
+                  <p:par>
+                    <p:cTn id="10" fill="hold">
+                      <p:stCondLst>
+                        <p:cond delay="indefinite"/>
+                      </p:stCondLst>
+                      <p:childTnLst>
+                        <p:par>
+                          <p:cTn id="11" fill="hold">
+                            <p:stCondLst>
+                              <p:cond delay="0"/>
+                            </p:stCondLst>
+                            <p:childTnLst>
+                              <p:par>
+                                <p:cTn id="12" presetID="42" presetClass="entr" presetSubtype="0" fill="hold" nodeType="clickEffect">
+                                  <p:stCondLst>
+                                    <p:cond delay="0"/>
+                                  </p:stCondLst>
+                                  <p:childTnLst>
+                                    <p:set>
+                                      <p:cBhvr>
+                                        <p:cTn id="13" dur="1" fill="hold">
+                                          <p:stCondLst>
+                                            <p:cond delay="0"/>
+                                          </p:stCondLst>
+                                        </p:cTn>
+                                        <p:tgtEl>
+                                          <p:spTgt spid="3">
+                                            <p:txEl>
+                                              <p:pRg st="2" end="2"/>
+                                            </p:txEl>
+                                          </p:spTgt>
+                                        </p:tgtEl>
+                                        <p:attrNameLst>
+                                          <p:attrName>style.visibility</p:attrName>
+                                        </p:attrNameLst>
+                                      </p:cBhvr>
+                                      <p:to>
+                                        <p:strVal val="visible"/>
+                                      </p:to>
+                                    </p:set>
+                                    <p:animEffect transition="in" filter="fade">
+                                      <p:cBhvr>
+                                        <p:cTn id="14" dur="1000"/>
+                                        <p:tgtEl>
+                                          <p:spTgt spid="3">
+                                            <p:txEl>
+                                              <p:pRg st="2" end="2"/>
+                                            </p:txEl>
+                                          </p:spTgt>
+                                        </p:tgtEl>
+                                      </p:cBhvr>
+                                    </p:animEffect>
+                                    <p:anim calcmode="lin" valueType="num">
+                                      <p:cBhvr>
+                                        <p:cTn id="15" dur="1000" fill="hold"/>
+                                        <p:tgtEl>
+                                          <p:spTgt spid="3">
+                                            <p:txEl>
+                                              <p:pRg st="2" end="2"/>
+                                            </p:txEl>
+                                          </p:spTgt>
+                                        </p:tgtEl>
+                                        <p:attrNameLst>
+                                          <p:attrName>ppt_x</p:attrName>
+                                        </p:attrNameLst>
+                                      </p:cBhvr>
+                                      <p:tavLst>
+                                        <p:tav tm="0">
+                                          <p:val>
+                                            <p:strVal val="#ppt_x"/>
+                                          </p:val>
+                                        </p:tav>
+                                        <p:tav tm="100000">
+                                          <p:val>
+                                            <p:strVal val="#ppt_x"/>
+                                          </p:val>
+                                        </p:tav>
+                                      </p:tavLst>
+                                    </p:anim>
+                                    <p:anim calcmode="lin" valueType="num">
+                                      <p:cBhvr>
+                                        <p:cTn id="16" dur="1000" fill="hold"/>
+                                        <p:tgtEl>
+                                          <p:spTgt spid="3">
+                                            <p:txEl>
+                                              <p:pRg st="2" end="2"/>
                                             </p:txEl>
                                           </p:spTgt>
                                         </p:tgtEl>
@@ -12282,9 +12409,9 @@
       </p:grpSpPr>
       <p:pic>
         <p:nvPicPr>
-          <p:cNvPr id="2050" name="Picture 2" descr="C:\Users\Admin\Downloads\Screenshot from 2020-02-12 12-21-08.png"/>
+          <p:cNvPr id="5" name="Content Placeholder 4"/>
           <p:cNvPicPr>
-            <a:picLocks noGrp="1" noChangeAspect="1" noChangeArrowheads="1"/>
+            <a:picLocks noGrp="1" noChangeAspect="1"/>
           </p:cNvPicPr>
           <p:nvPr>
             <p:ph sz="quarter" idx="13"/>
@@ -12296,15 +12423,14 @@
             <a:fillRect/>
           </a:stretch>
         </p:blipFill>
-        <p:spPr bwMode="auto">
+        <p:spPr>
           <a:xfrm>
-            <a:off x="971600" y="836712"/>
-            <a:ext cx="7318771" cy="4114800"/>
+            <a:off x="971600" y="908720"/>
+            <a:ext cx="7367272" cy="4114800"/>
           </a:xfrm>
           <a:prstGeom prst="rect">
             <a:avLst/>
           </a:prstGeom>
-          <a:noFill/>
         </p:spPr>
       </p:pic>
     </p:spTree>
